--- a/doc/01_勉強会/01_勉強会資料/20181018_勉強会/02.資料/03_検索機能(第２回進捗資料).pptx
+++ b/doc/01_勉強会/01_勉強会資料/20181018_勉強会/02.資料/03_検索機能(第２回進捗資料).pptx
@@ -324,7 +324,7 @@
   </p:defaultTextStyle>
   <p:extLst>
     <p:ext uri="{EFAFB233-063F-42B5-8137-9DF3F51BA10A}">
-      <p15:sldGuideLst xmlns="" xmlns:p15="http://schemas.microsoft.com/office/powerpoint/2012/main">
+      <p15:sldGuideLst xmlns:p15="http://schemas.microsoft.com/office/powerpoint/2012/main" xmlns="">
         <p15:guide id="1" orient="horz" pos="2160">
           <p15:clr>
             <a:srgbClr val="A4A3A4"/>
@@ -420,7 +420,7 @@
     </p:spTree>
     <p:extLst>
       <p:ext uri="{BB962C8B-B14F-4D97-AF65-F5344CB8AC3E}">
-        <p14:creationId xmlns:p14="http://schemas.microsoft.com/office/powerpoint/2010/main" val="1467088039"/>
+        <p14:creationId xmlns:p14="http://schemas.microsoft.com/office/powerpoint/2010/main" xmlns="" val="1467088039"/>
       </p:ext>
     </p:extLst>
   </p:cSld>
@@ -700,7 +700,7 @@
           </a:ln>
           <a:extLst>
             <a:ext uri="{C572A759-6A51-4108-AA02-DFA0A04FC94B}">
-              <ma14:wrappingTextBoxFlag xmlns:ma14="http://schemas.microsoft.com/office/mac/drawingml/2011/main" xmlns="" val="1"/>
+              <ma14:wrappingTextBoxFlag xmlns="" xmlns:ma14="http://schemas.microsoft.com/office/mac/drawingml/2011/main" val="1"/>
             </a:ext>
           </a:extLst>
         </p:spPr>
@@ -739,7 +739,7 @@
           </a:ln>
           <a:extLst>
             <a:ext uri="{C572A759-6A51-4108-AA02-DFA0A04FC94B}">
-              <ma14:wrappingTextBoxFlag xmlns:ma14="http://schemas.microsoft.com/office/mac/drawingml/2011/main" xmlns="" val="1"/>
+              <ma14:wrappingTextBoxFlag xmlns="" xmlns:ma14="http://schemas.microsoft.com/office/mac/drawingml/2011/main" val="1"/>
             </a:ext>
           </a:extLst>
         </p:spPr>
@@ -810,7 +810,7 @@
             <a:fld id="{86CB4B4D-7CA3-9044-876B-883B54F8677D}" type="slidenum">
               <a:rPr/>
               <a:pPr/>
-              <a:t>‹#›</a:t>
+              <a:t>&lt;#&gt;</a:t>
             </a:fld>
             <a:endParaRPr/>
           </a:p>
@@ -938,7 +938,7 @@
             <a:fld id="{86CB4B4D-7CA3-9044-876B-883B54F8677D}" type="slidenum">
               <a:rPr/>
               <a:pPr/>
-              <a:t>‹#›</a:t>
+              <a:t>&lt;#&gt;</a:t>
             </a:fld>
             <a:endParaRPr/>
           </a:p>
@@ -1128,7 +1128,7 @@
             <a:fld id="{86CB4B4D-7CA3-9044-876B-883B54F8677D}" type="slidenum">
               <a:rPr/>
               <a:pPr/>
-              <a:t>‹#›</a:t>
+              <a:t>&lt;#&gt;</a:t>
             </a:fld>
             <a:endParaRPr/>
           </a:p>
@@ -1327,7 +1327,7 @@
             <a:fld id="{86CB4B4D-7CA3-9044-876B-883B54F8677D}" type="slidenum">
               <a:rPr/>
               <a:pPr/>
-              <a:t>‹#›</a:t>
+              <a:t>&lt;#&gt;</a:t>
             </a:fld>
             <a:endParaRPr/>
           </a:p>
@@ -1577,7 +1577,7 @@
             <a:fld id="{86CB4B4D-7CA3-9044-876B-883B54F8677D}" type="slidenum">
               <a:rPr/>
               <a:pPr/>
-              <a:t>‹#›</a:t>
+              <a:t>&lt;#&gt;</a:t>
             </a:fld>
             <a:endParaRPr/>
           </a:p>
@@ -1714,7 +1714,7 @@
             <a:fld id="{86CB4B4D-7CA3-9044-876B-883B54F8677D}" type="slidenum">
               <a:rPr/>
               <a:pPr/>
-              <a:t>‹#›</a:t>
+              <a:t>&lt;#&gt;</a:t>
             </a:fld>
             <a:endParaRPr/>
           </a:p>
@@ -1851,7 +1851,7 @@
             <a:fld id="{86CB4B4D-7CA3-9044-876B-883B54F8677D}" type="slidenum">
               <a:rPr/>
               <a:pPr/>
-              <a:t>‹#›</a:t>
+              <a:t>&lt;#&gt;</a:t>
             </a:fld>
             <a:endParaRPr/>
           </a:p>
@@ -2001,7 +2001,7 @@
           </a:ln>
           <a:extLst>
             <a:ext uri="{C572A759-6A51-4108-AA02-DFA0A04FC94B}">
-              <ma14:wrappingTextBoxFlag xmlns:ma14="http://schemas.microsoft.com/office/mac/drawingml/2011/main" xmlns="" val="1"/>
+              <ma14:wrappingTextBoxFlag xmlns="" xmlns:ma14="http://schemas.microsoft.com/office/mac/drawingml/2011/main" val="1"/>
             </a:ext>
           </a:extLst>
         </p:spPr>
@@ -2040,7 +2040,7 @@
           </a:ln>
           <a:extLst>
             <a:ext uri="{C572A759-6A51-4108-AA02-DFA0A04FC94B}">
-              <ma14:wrappingTextBoxFlag xmlns:ma14="http://schemas.microsoft.com/office/mac/drawingml/2011/main" xmlns="" val="1"/>
+              <ma14:wrappingTextBoxFlag xmlns="" xmlns:ma14="http://schemas.microsoft.com/office/mac/drawingml/2011/main" val="1"/>
             </a:ext>
           </a:extLst>
         </p:spPr>
@@ -2119,7 +2119,7 @@
             <a:fld id="{86CB4B4D-7CA3-9044-876B-883B54F8677D}" type="slidenum">
               <a:rPr/>
               <a:pPr/>
-              <a:t>‹#›</a:t>
+              <a:t>&lt;#&gt;</a:t>
             </a:fld>
             <a:endParaRPr/>
           </a:p>
@@ -3029,7 +3029,7 @@
           </a:ln>
           <a:extLst>
             <a:ext uri="{C572A759-6A51-4108-AA02-DFA0A04FC94B}">
-              <ma14:wrappingTextBoxFlag xmlns:ma14="http://schemas.microsoft.com/office/mac/drawingml/2011/main" xmlns="" val="1"/>
+              <ma14:wrappingTextBoxFlag xmlns="" xmlns:ma14="http://schemas.microsoft.com/office/mac/drawingml/2011/main" val="1"/>
             </a:ext>
           </a:extLst>
         </p:spPr>
@@ -3149,7 +3149,7 @@
           </a:ln>
           <a:extLst>
             <a:ext uri="{C572A759-6A51-4108-AA02-DFA0A04FC94B}">
-              <ma14:wrappingTextBoxFlag xmlns:ma14="http://schemas.microsoft.com/office/mac/drawingml/2011/main" xmlns="" val="1"/>
+              <ma14:wrappingTextBoxFlag xmlns="" xmlns:ma14="http://schemas.microsoft.com/office/mac/drawingml/2011/main" val="1"/>
             </a:ext>
           </a:extLst>
         </p:spPr>
@@ -3422,11 +3422,7 @@
             </a:pPr>
             <a:r>
               <a:rPr lang="ja-JP" altLang="en-US" dirty="0" smtClean="0"/>
-              <a:t>・正規表現</a:t>
-            </a:r>
-            <a:r>
-              <a:rPr lang="ja-JP" altLang="en-US" dirty="0" smtClean="0"/>
-              <a:t>オブジェクト</a:t>
+              <a:t>・正規表現オブジェクト</a:t>
             </a:r>
             <a:r>
               <a:rPr lang="en-US" altLang="ja-JP" dirty="0" smtClean="0"/>
@@ -3469,10 +3465,10 @@
           <p:nvPr/>
         </p:nvPicPr>
         <p:blipFill>
-          <a:blip r:embed="rId2">
+          <a:blip r:embed="rId2" cstate="print">
             <a:extLst>
               <a:ext uri="{28A0092B-C50C-407E-A947-70E740481C1C}">
-                <a14:useLocalDpi xmlns:a14="http://schemas.microsoft.com/office/drawing/2010/main" val="0"/>
+                <a14:useLocalDpi xmlns:a14="http://schemas.microsoft.com/office/drawing/2010/main" xmlns="" val="0"/>
               </a:ext>
             </a:extLst>
           </a:blip>
@@ -3493,7 +3489,7 @@
     </p:spTree>
     <p:extLst>
       <p:ext uri="{BB962C8B-B14F-4D97-AF65-F5344CB8AC3E}">
-        <p14:creationId xmlns:p14="http://schemas.microsoft.com/office/powerpoint/2010/main" val="3129675832"/>
+        <p14:creationId xmlns:p14="http://schemas.microsoft.com/office/powerpoint/2010/main" xmlns="" val="3129675832"/>
       </p:ext>
     </p:extLst>
   </p:cSld>
@@ -3586,7 +3582,7 @@
           </a:ln>
           <a:extLst>
             <a:ext uri="{C572A759-6A51-4108-AA02-DFA0A04FC94B}">
-              <ma14:wrappingTextBoxFlag xmlns:ma14="http://schemas.microsoft.com/office/mac/drawingml/2011/main" xmlns="" val="1"/>
+              <ma14:wrappingTextBoxFlag xmlns="" xmlns:ma14="http://schemas.microsoft.com/office/mac/drawingml/2011/main" val="1"/>
             </a:ext>
           </a:extLst>
         </p:spPr>
@@ -3902,7 +3898,7 @@
           <p:nvPr/>
         </p:nvPicPr>
         <p:blipFill>
-          <a:blip r:embed="rId2"/>
+          <a:blip r:embed="rId2" cstate="print"/>
           <a:stretch>
             <a:fillRect/>
           </a:stretch>
@@ -3920,7 +3916,7 @@
     </p:spTree>
     <p:extLst>
       <p:ext uri="{BB962C8B-B14F-4D97-AF65-F5344CB8AC3E}">
-        <p14:creationId xmlns:p14="http://schemas.microsoft.com/office/powerpoint/2010/main" val="2746797331"/>
+        <p14:creationId xmlns:p14="http://schemas.microsoft.com/office/powerpoint/2010/main" xmlns="" val="2746797331"/>
       </p:ext>
     </p:extLst>
   </p:cSld>
@@ -4003,7 +3999,7 @@
           </a:ln>
           <a:extLst>
             <a:ext uri="{C572A759-6A51-4108-AA02-DFA0A04FC94B}">
-              <ma14:wrappingTextBoxFlag xmlns:ma14="http://schemas.microsoft.com/office/mac/drawingml/2011/main" xmlns="" val="1"/>
+              <ma14:wrappingTextBoxFlag xmlns="" xmlns:ma14="http://schemas.microsoft.com/office/mac/drawingml/2011/main" val="1"/>
             </a:ext>
           </a:extLst>
         </p:spPr>
@@ -4062,7 +4058,7 @@
           </a:ln>
           <a:extLst>
             <a:ext uri="{C572A759-6A51-4108-AA02-DFA0A04FC94B}">
-              <ma14:wrappingTextBoxFlag xmlns:ma14="http://schemas.microsoft.com/office/mac/drawingml/2011/main" xmlns="" val="1"/>
+              <ma14:wrappingTextBoxFlag xmlns="" xmlns:ma14="http://schemas.microsoft.com/office/mac/drawingml/2011/main" val="1"/>
             </a:ext>
           </a:extLst>
         </p:spPr>
@@ -4109,7 +4105,7 @@
           </a:ln>
           <a:extLst>
             <a:ext uri="{C572A759-6A51-4108-AA02-DFA0A04FC94B}">
-              <ma14:wrappingTextBoxFlag xmlns:ma14="http://schemas.microsoft.com/office/mac/drawingml/2011/main" xmlns="" val="1"/>
+              <ma14:wrappingTextBoxFlag xmlns="" xmlns:ma14="http://schemas.microsoft.com/office/mac/drawingml/2011/main" val="1"/>
             </a:ext>
           </a:extLst>
         </p:spPr>
@@ -4148,7 +4144,7 @@
     </p:spTree>
     <p:extLst>
       <p:ext uri="{BB962C8B-B14F-4D97-AF65-F5344CB8AC3E}">
-        <p14:creationId xmlns:p14="http://schemas.microsoft.com/office/powerpoint/2010/main" val="2645583571"/>
+        <p14:creationId xmlns:p14="http://schemas.microsoft.com/office/powerpoint/2010/main" xmlns="" val="2645583571"/>
       </p:ext>
     </p:extLst>
   </p:cSld>
@@ -4249,7 +4245,7 @@
           </a:ln>
           <a:extLst>
             <a:ext uri="{C572A759-6A51-4108-AA02-DFA0A04FC94B}">
-              <ma14:wrappingTextBoxFlag xmlns:ma14="http://schemas.microsoft.com/office/mac/drawingml/2011/main" xmlns="" val="1"/>
+              <ma14:wrappingTextBoxFlag xmlns="" xmlns:ma14="http://schemas.microsoft.com/office/mac/drawingml/2011/main" val="1"/>
             </a:ext>
           </a:extLst>
         </p:spPr>
@@ -4316,7 +4312,7 @@
           </a:ln>
           <a:extLst>
             <a:ext uri="{C572A759-6A51-4108-AA02-DFA0A04FC94B}">
-              <ma14:wrappingTextBoxFlag xmlns:ma14="http://schemas.microsoft.com/office/mac/drawingml/2011/main" xmlns="" val="1"/>
+              <ma14:wrappingTextBoxFlag xmlns="" xmlns:ma14="http://schemas.microsoft.com/office/mac/drawingml/2011/main" val="1"/>
             </a:ext>
           </a:extLst>
         </p:spPr>
@@ -4367,7 +4363,7 @@
           </a:ln>
           <a:extLst>
             <a:ext uri="{C572A759-6A51-4108-AA02-DFA0A04FC94B}">
-              <ma14:wrappingTextBoxFlag xmlns:ma14="http://schemas.microsoft.com/office/mac/drawingml/2011/main" xmlns="" val="1"/>
+              <ma14:wrappingTextBoxFlag xmlns="" xmlns:ma14="http://schemas.microsoft.com/office/mac/drawingml/2011/main" val="1"/>
             </a:ext>
           </a:extLst>
         </p:spPr>
@@ -4434,7 +4430,7 @@
           </a:ln>
           <a:extLst>
             <a:ext uri="{C572A759-6A51-4108-AA02-DFA0A04FC94B}">
-              <ma14:wrappingTextBoxFlag xmlns:ma14="http://schemas.microsoft.com/office/mac/drawingml/2011/main" xmlns="" val="1"/>
+              <ma14:wrappingTextBoxFlag xmlns="" xmlns:ma14="http://schemas.microsoft.com/office/mac/drawingml/2011/main" val="1"/>
             </a:ext>
           </a:extLst>
         </p:spPr>
@@ -4504,7 +4500,7 @@
           </a:ln>
           <a:extLst>
             <a:ext uri="{C572A759-6A51-4108-AA02-DFA0A04FC94B}">
-              <ma14:wrappingTextBoxFlag xmlns:ma14="http://schemas.microsoft.com/office/mac/drawingml/2011/main" xmlns="" val="1"/>
+              <ma14:wrappingTextBoxFlag xmlns="" xmlns:ma14="http://schemas.microsoft.com/office/mac/drawingml/2011/main" val="1"/>
             </a:ext>
           </a:extLst>
         </p:spPr>
@@ -4574,7 +4570,7 @@
           </a:ln>
           <a:extLst>
             <a:ext uri="{C572A759-6A51-4108-AA02-DFA0A04FC94B}">
-              <ma14:wrappingTextBoxFlag xmlns:ma14="http://schemas.microsoft.com/office/mac/drawingml/2011/main" xmlns="" val="1"/>
+              <ma14:wrappingTextBoxFlag xmlns="" xmlns:ma14="http://schemas.microsoft.com/office/mac/drawingml/2011/main" val="1"/>
             </a:ext>
           </a:extLst>
         </p:spPr>
@@ -4603,7 +4599,15 @@
                   <a:schemeClr val="tx1"/>
                 </a:solidFill>
               </a:rPr>
-              <a:t>・曜日検索およびカテゴリー検索用チェックボックスのデフォルトの状態はどうするか。</a:t>
+              <a:t>・</a:t>
+            </a:r>
+            <a:r>
+              <a:rPr lang="ja-JP" altLang="en-US" dirty="0" smtClean="0">
+                <a:solidFill>
+                  <a:schemeClr val="tx1"/>
+                </a:solidFill>
+              </a:rPr>
+              <a:t>特になし</a:t>
             </a:r>
             <a:endParaRPr dirty="0"/>
           </a:p>
@@ -4612,7 +4616,7 @@
     </p:spTree>
     <p:extLst>
       <p:ext uri="{BB962C8B-B14F-4D97-AF65-F5344CB8AC3E}">
-        <p14:creationId xmlns:p14="http://schemas.microsoft.com/office/powerpoint/2010/main" val="472301287"/>
+        <p14:creationId xmlns:p14="http://schemas.microsoft.com/office/powerpoint/2010/main" xmlns="" val="472301287"/>
       </p:ext>
     </p:extLst>
   </p:cSld>
@@ -4695,7 +4699,7 @@
           </a:ln>
           <a:extLst>
             <a:ext uri="{C572A759-6A51-4108-AA02-DFA0A04FC94B}">
-              <ma14:wrappingTextBoxFlag xmlns:ma14="http://schemas.microsoft.com/office/mac/drawingml/2011/main" xmlns="" val="1"/>
+              <ma14:wrappingTextBoxFlag xmlns="" xmlns:ma14="http://schemas.microsoft.com/office/mac/drawingml/2011/main" val="1"/>
             </a:ext>
           </a:extLst>
         </p:spPr>
@@ -4754,7 +4758,7 @@
           </a:ln>
           <a:extLst>
             <a:ext uri="{C572A759-6A51-4108-AA02-DFA0A04FC94B}">
-              <ma14:wrappingTextBoxFlag xmlns:ma14="http://schemas.microsoft.com/office/mac/drawingml/2011/main" xmlns="" val="1"/>
+              <ma14:wrappingTextBoxFlag xmlns="" xmlns:ma14="http://schemas.microsoft.com/office/mac/drawingml/2011/main" val="1"/>
             </a:ext>
           </a:extLst>
         </p:spPr>
@@ -4801,7 +4805,7 @@
           </a:ln>
           <a:extLst>
             <a:ext uri="{C572A759-6A51-4108-AA02-DFA0A04FC94B}">
-              <ma14:wrappingTextBoxFlag xmlns:ma14="http://schemas.microsoft.com/office/mac/drawingml/2011/main" xmlns="" val="1"/>
+              <ma14:wrappingTextBoxFlag xmlns="" xmlns:ma14="http://schemas.microsoft.com/office/mac/drawingml/2011/main" val="1"/>
             </a:ext>
           </a:extLst>
         </p:spPr>
@@ -4910,7 +4914,7 @@
           </a:ln>
           <a:extLst>
             <a:ext uri="{C572A759-6A51-4108-AA02-DFA0A04FC94B}">
-              <ma14:wrappingTextBoxFlag xmlns:ma14="http://schemas.microsoft.com/office/mac/drawingml/2011/main" xmlns="" val="1"/>
+              <ma14:wrappingTextBoxFlag xmlns="" xmlns:ma14="http://schemas.microsoft.com/office/mac/drawingml/2011/main" val="1"/>
             </a:ext>
           </a:extLst>
         </p:spPr>
@@ -4973,7 +4977,7 @@
           </a:ln>
           <a:extLst>
             <a:ext uri="{C572A759-6A51-4108-AA02-DFA0A04FC94B}">
-              <ma14:wrappingTextBoxFlag xmlns:ma14="http://schemas.microsoft.com/office/mac/drawingml/2011/main" xmlns="" val="1"/>
+              <ma14:wrappingTextBoxFlag xmlns="" xmlns:ma14="http://schemas.microsoft.com/office/mac/drawingml/2011/main" val="1"/>
             </a:ext>
           </a:extLst>
         </p:spPr>
@@ -5020,7 +5024,7 @@
           </a:ln>
           <a:extLst>
             <a:ext uri="{C572A759-6A51-4108-AA02-DFA0A04FC94B}">
-              <ma14:wrappingTextBoxFlag xmlns:ma14="http://schemas.microsoft.com/office/mac/drawingml/2011/main" xmlns="" val="1"/>
+              <ma14:wrappingTextBoxFlag xmlns="" xmlns:ma14="http://schemas.microsoft.com/office/mac/drawingml/2011/main" val="1"/>
             </a:ext>
           </a:extLst>
         </p:spPr>
@@ -5051,7 +5055,7 @@
     </p:spTree>
     <p:extLst>
       <p:ext uri="{BB962C8B-B14F-4D97-AF65-F5344CB8AC3E}">
-        <p14:creationId xmlns:p14="http://schemas.microsoft.com/office/powerpoint/2010/main" val="1023863156"/>
+        <p14:creationId xmlns:p14="http://schemas.microsoft.com/office/powerpoint/2010/main" xmlns="" val="1023863156"/>
       </p:ext>
     </p:extLst>
   </p:cSld>
@@ -5140,7 +5144,7 @@
           </a:ln>
           <a:extLst>
             <a:ext uri="{C572A759-6A51-4108-AA02-DFA0A04FC94B}">
-              <ma14:wrappingTextBoxFlag xmlns:ma14="http://schemas.microsoft.com/office/mac/drawingml/2011/main" xmlns="" val="1"/>
+              <ma14:wrappingTextBoxFlag xmlns="" xmlns:ma14="http://schemas.microsoft.com/office/mac/drawingml/2011/main" val="1"/>
             </a:ext>
           </a:extLst>
         </p:spPr>
@@ -5187,7 +5191,7 @@
           </a:ln>
           <a:extLst>
             <a:ext uri="{C572A759-6A51-4108-AA02-DFA0A04FC94B}">
-              <ma14:wrappingTextBoxFlag xmlns:ma14="http://schemas.microsoft.com/office/mac/drawingml/2011/main" xmlns="" val="1"/>
+              <ma14:wrappingTextBoxFlag xmlns="" xmlns:ma14="http://schemas.microsoft.com/office/mac/drawingml/2011/main" val="1"/>
             </a:ext>
           </a:extLst>
         </p:spPr>
@@ -5252,7 +5256,7 @@
     </p:spTree>
     <p:extLst>
       <p:ext uri="{BB962C8B-B14F-4D97-AF65-F5344CB8AC3E}">
-        <p14:creationId xmlns:p14="http://schemas.microsoft.com/office/powerpoint/2010/main" val="3108749437"/>
+        <p14:creationId xmlns:p14="http://schemas.microsoft.com/office/powerpoint/2010/main" xmlns="" val="3108749437"/>
       </p:ext>
     </p:extLst>
   </p:cSld>
@@ -5335,7 +5339,7 @@
           </a:ln>
           <a:extLst>
             <a:ext uri="{C572A759-6A51-4108-AA02-DFA0A04FC94B}">
-              <ma14:wrappingTextBoxFlag xmlns:ma14="http://schemas.microsoft.com/office/mac/drawingml/2011/main" xmlns="" val="1"/>
+              <ma14:wrappingTextBoxFlag xmlns="" xmlns:ma14="http://schemas.microsoft.com/office/mac/drawingml/2011/main" val="1"/>
             </a:ext>
           </a:extLst>
         </p:spPr>
@@ -5398,7 +5402,7 @@
           </a:ln>
           <a:extLst>
             <a:ext uri="{C572A759-6A51-4108-AA02-DFA0A04FC94B}">
-              <ma14:wrappingTextBoxFlag xmlns:ma14="http://schemas.microsoft.com/office/mac/drawingml/2011/main" xmlns="" val="1"/>
+              <ma14:wrappingTextBoxFlag xmlns="" xmlns:ma14="http://schemas.microsoft.com/office/mac/drawingml/2011/main" val="1"/>
             </a:ext>
           </a:extLst>
         </p:spPr>
@@ -5453,7 +5457,7 @@
           </a:ln>
           <a:extLst>
             <a:ext uri="{C572A759-6A51-4108-AA02-DFA0A04FC94B}">
-              <ma14:wrappingTextBoxFlag xmlns:ma14="http://schemas.microsoft.com/office/mac/drawingml/2011/main" xmlns="" val="1"/>
+              <ma14:wrappingTextBoxFlag xmlns="" xmlns:ma14="http://schemas.microsoft.com/office/mac/drawingml/2011/main" val="1"/>
             </a:ext>
           </a:extLst>
         </p:spPr>
@@ -5484,7 +5488,7 @@
     </p:spTree>
     <p:extLst>
       <p:ext uri="{BB962C8B-B14F-4D97-AF65-F5344CB8AC3E}">
-        <p14:creationId xmlns:p14="http://schemas.microsoft.com/office/powerpoint/2010/main" val="1176496403"/>
+        <p14:creationId xmlns:p14="http://schemas.microsoft.com/office/powerpoint/2010/main" xmlns="" val="1176496403"/>
       </p:ext>
     </p:extLst>
   </p:cSld>
@@ -5569,7 +5573,7 @@
           </a:ln>
           <a:extLst>
             <a:ext uri="{C572A759-6A51-4108-AA02-DFA0A04FC94B}">
-              <ma14:wrappingTextBoxFlag xmlns:ma14="http://schemas.microsoft.com/office/mac/drawingml/2011/main" xmlns="" val="1"/>
+              <ma14:wrappingTextBoxFlag xmlns="" xmlns:ma14="http://schemas.microsoft.com/office/mac/drawingml/2011/main" val="1"/>
             </a:ext>
           </a:extLst>
         </p:spPr>
@@ -5640,7 +5644,7 @@
           </a:ln>
           <a:extLst>
             <a:ext uri="{C572A759-6A51-4108-AA02-DFA0A04FC94B}">
-              <ma14:wrappingTextBoxFlag xmlns:ma14="http://schemas.microsoft.com/office/mac/drawingml/2011/main" xmlns="" val="1"/>
+              <ma14:wrappingTextBoxFlag xmlns="" xmlns:ma14="http://schemas.microsoft.com/office/mac/drawingml/2011/main" val="1"/>
             </a:ext>
           </a:extLst>
         </p:spPr>
@@ -5698,7 +5702,7 @@
           </a:ln>
           <a:extLst>
             <a:ext uri="{C572A759-6A51-4108-AA02-DFA0A04FC94B}">
-              <ma14:wrappingTextBoxFlag xmlns:ma14="http://schemas.microsoft.com/office/mac/drawingml/2011/main" xmlns="" val="1"/>
+              <ma14:wrappingTextBoxFlag xmlns="" xmlns:ma14="http://schemas.microsoft.com/office/mac/drawingml/2011/main" val="1"/>
             </a:ext>
           </a:extLst>
         </p:spPr>
@@ -5764,7 +5768,7 @@
           </a:ln>
           <a:extLst>
             <a:ext uri="{C572A759-6A51-4108-AA02-DFA0A04FC94B}">
-              <ma14:wrappingTextBoxFlag xmlns:ma14="http://schemas.microsoft.com/office/mac/drawingml/2011/main" xmlns="" val="1"/>
+              <ma14:wrappingTextBoxFlag xmlns="" xmlns:ma14="http://schemas.microsoft.com/office/mac/drawingml/2011/main" val="1"/>
             </a:ext>
           </a:extLst>
         </p:spPr>
@@ -5822,7 +5826,7 @@
           </a:ln>
           <a:extLst>
             <a:ext uri="{C572A759-6A51-4108-AA02-DFA0A04FC94B}">
-              <ma14:wrappingTextBoxFlag xmlns:ma14="http://schemas.microsoft.com/office/mac/drawingml/2011/main" xmlns="" val="1"/>
+              <ma14:wrappingTextBoxFlag xmlns="" xmlns:ma14="http://schemas.microsoft.com/office/mac/drawingml/2011/main" val="1"/>
             </a:ext>
           </a:extLst>
         </p:spPr>
@@ -5864,7 +5868,7 @@
     </p:spTree>
     <p:extLst>
       <p:ext uri="{BB962C8B-B14F-4D97-AF65-F5344CB8AC3E}">
-        <p14:creationId xmlns:p14="http://schemas.microsoft.com/office/powerpoint/2010/main" val="284473406"/>
+        <p14:creationId xmlns:p14="http://schemas.microsoft.com/office/powerpoint/2010/main" xmlns="" val="284473406"/>
       </p:ext>
     </p:extLst>
   </p:cSld>
@@ -6345,7 +6349,7 @@
     </p:spTree>
     <p:extLst>
       <p:ext uri="{BB962C8B-B14F-4D97-AF65-F5344CB8AC3E}">
-        <p14:creationId xmlns:p14="http://schemas.microsoft.com/office/powerpoint/2010/main" val="1278253174"/>
+        <p14:creationId xmlns:p14="http://schemas.microsoft.com/office/powerpoint/2010/main" xmlns="" val="1278253174"/>
       </p:ext>
     </p:extLst>
   </p:cSld>
@@ -6438,7 +6442,7 @@
           </a:ln>
           <a:extLst>
             <a:ext uri="{C572A759-6A51-4108-AA02-DFA0A04FC94B}">
-              <ma14:wrappingTextBoxFlag xmlns:ma14="http://schemas.microsoft.com/office/mac/drawingml/2011/main" xmlns="" val="1"/>
+              <ma14:wrappingTextBoxFlag xmlns="" xmlns:ma14="http://schemas.microsoft.com/office/mac/drawingml/2011/main" val="1"/>
             </a:ext>
           </a:extLst>
         </p:spPr>
@@ -6770,7 +6774,7 @@
           <p:nvPr/>
         </p:nvPicPr>
         <p:blipFill>
-          <a:blip r:embed="rId2"/>
+          <a:blip r:embed="rId2" cstate="print"/>
           <a:stretch>
             <a:fillRect/>
           </a:stretch>
@@ -6788,7 +6792,7 @@
     </p:spTree>
     <p:extLst>
       <p:ext uri="{BB962C8B-B14F-4D97-AF65-F5344CB8AC3E}">
-        <p14:creationId xmlns:p14="http://schemas.microsoft.com/office/powerpoint/2010/main" val="2080163627"/>
+        <p14:creationId xmlns:p14="http://schemas.microsoft.com/office/powerpoint/2010/main" xmlns="" val="2080163627"/>
       </p:ext>
     </p:extLst>
   </p:cSld>
@@ -6881,7 +6885,7 @@
           </a:ln>
           <a:extLst>
             <a:ext uri="{C572A759-6A51-4108-AA02-DFA0A04FC94B}">
-              <ma14:wrappingTextBoxFlag xmlns:ma14="http://schemas.microsoft.com/office/mac/drawingml/2011/main" xmlns="" val="1"/>
+              <ma14:wrappingTextBoxFlag xmlns="" xmlns:ma14="http://schemas.microsoft.com/office/mac/drawingml/2011/main" val="1"/>
             </a:ext>
           </a:extLst>
         </p:spPr>
@@ -7217,7 +7221,7 @@
     </p:spTree>
     <p:extLst>
       <p:ext uri="{BB962C8B-B14F-4D97-AF65-F5344CB8AC3E}">
-        <p14:creationId xmlns:p14="http://schemas.microsoft.com/office/powerpoint/2010/main" val="1374216173"/>
+        <p14:creationId xmlns:p14="http://schemas.microsoft.com/office/powerpoint/2010/main" xmlns="" val="1374216173"/>
       </p:ext>
     </p:extLst>
   </p:cSld>
